--- a/M05_Arreglos_Multidimensionales/01 Presentacion/M05_PPTX-Arreglos_Multidimensionales.pptx
+++ b/M05_Arreglos_Multidimensionales/01 Presentacion/M05_PPTX-Arreglos_Multidimensionales.pptx
@@ -353,7 +353,7 @@
           <a:p>
             <a:fld id="{0130A19F-DA6C-488F-8115-A486A94DC5D0}" type="datetimeFigureOut">
               <a:rPr lang="en-US" smtClean="0"/>
-              <a:t>3/8/23</a:t>
+              <a:t>5/10/23</a:t>
             </a:fld>
             <a:endParaRPr lang="en-US"/>
           </a:p>
@@ -12193,7 +12193,7 @@
           <a:p>
             <a:r>
               <a:rPr lang="es-MX" sz="2400" kern="0" dirty="0"/>
-              <a:t>Esta declaración implícita está creando un arreglo de 10 elementos. Cada elemento está separado por una coma </a:t>
+              <a:t>Esta declaración explícita está creando un arreglo de 10 elementos. Cada elemento está separado por una coma </a:t>
             </a:r>
             <a:r>
               <a:rPr lang="es-MX" sz="2400" kern="0" dirty="0">
@@ -15432,7 +15432,7 @@
                 </a:solidFill>
                 <a:latin typeface="Cascadia Code,  Courier New"/>
               </a:rPr>
-              <a:t>// Method 2: Implicit initialization</a:t>
+              <a:t>// Method 2: Explicit initialization</a:t>
             </a:r>
             <a:endParaRPr lang="en-US" dirty="0">
               <a:solidFill>
